--- a/CRIO.pptx
+++ b/CRIO.pptx
@@ -112,7 +112,7 @@
   </p:defaultTextStyle>
   <p:extLst>
     <p:ext uri="{EFAFB233-063F-42B5-8137-9DF3F51BA10A}">
-      <p15:sldGuideLst xmlns:p15="http://schemas.microsoft.com/office/powerpoint/2012/main"/>
+      <p15:sldGuideLst xmlns:p15="http://schemas.microsoft.com/office/powerpoint/2012/main" xmlns=""/>
     </p:ext>
   </p:extLst>
 </p:presentation>
@@ -332,7 +332,7 @@
             <a:fld id="{B61BEF0D-F0BB-DE4B-95CE-6DB70DBA9567}" type="datetimeFigureOut">
               <a:rPr lang="en-US" dirty="0"/>
               <a:pPr/>
-              <a:t>7/14/2019</a:t>
+              <a:t>7/15/2019</a:t>
             </a:fld>
             <a:endParaRPr lang="en-US" dirty="0"/>
           </a:p>
@@ -620,7 +620,7 @@
             <a:fld id="{B61BEF0D-F0BB-DE4B-95CE-6DB70DBA9567}" type="datetimeFigureOut">
               <a:rPr lang="en-US" dirty="0"/>
               <a:pPr/>
-              <a:t>7/14/2019</a:t>
+              <a:t>7/15/2019</a:t>
             </a:fld>
             <a:endParaRPr lang="en-US" dirty="0"/>
           </a:p>
@@ -876,7 +876,7 @@
             <a:fld id="{B61BEF0D-F0BB-DE4B-95CE-6DB70DBA9567}" type="datetimeFigureOut">
               <a:rPr lang="en-US" dirty="0"/>
               <a:pPr/>
-              <a:t>7/14/2019</a:t>
+              <a:t>7/15/2019</a:t>
             </a:fld>
             <a:endParaRPr lang="en-US" dirty="0"/>
           </a:p>
@@ -1342,7 +1342,7 @@
             <a:fld id="{B61BEF0D-F0BB-DE4B-95CE-6DB70DBA9567}" type="datetimeFigureOut">
               <a:rPr lang="en-US" dirty="0"/>
               <a:pPr/>
-              <a:t>7/14/2019</a:t>
+              <a:t>7/15/2019</a:t>
             </a:fld>
             <a:endParaRPr lang="en-US" dirty="0"/>
           </a:p>
@@ -1519,7 +1519,7 @@
             <a:fld id="{B61BEF0D-F0BB-DE4B-95CE-6DB70DBA9567}" type="datetimeFigureOut">
               <a:rPr lang="en-US" dirty="0"/>
               <a:pPr/>
-              <a:t>7/14/2019</a:t>
+              <a:t>7/15/2019</a:t>
             </a:fld>
             <a:endParaRPr lang="en-US" dirty="0"/>
           </a:p>
@@ -2092,7 +2092,7 @@
             <a:fld id="{B61BEF0D-F0BB-DE4B-95CE-6DB70DBA9567}" type="datetimeFigureOut">
               <a:rPr lang="en-US" dirty="0"/>
               <a:pPr/>
-              <a:t>7/14/2019</a:t>
+              <a:t>7/15/2019</a:t>
             </a:fld>
             <a:endParaRPr lang="en-US" dirty="0"/>
           </a:p>
@@ -2421,7 +2421,7 @@
             <a:fld id="{B61BEF0D-F0BB-DE4B-95CE-6DB70DBA9567}" type="datetimeFigureOut">
               <a:rPr lang="en-US" dirty="0"/>
               <a:pPr/>
-              <a:t>7/14/2019</a:t>
+              <a:t>7/15/2019</a:t>
             </a:fld>
             <a:endParaRPr lang="en-US" dirty="0"/>
           </a:p>
@@ -2593,7 +2593,7 @@
             <a:fld id="{B61BEF0D-F0BB-DE4B-95CE-6DB70DBA9567}" type="datetimeFigureOut">
               <a:rPr lang="en-US" dirty="0"/>
               <a:pPr/>
-              <a:t>7/14/2019</a:t>
+              <a:t>7/15/2019</a:t>
             </a:fld>
             <a:endParaRPr lang="en-US" dirty="0"/>
           </a:p>
@@ -2770,7 +2770,7 @@
             <a:fld id="{B61BEF0D-F0BB-DE4B-95CE-6DB70DBA9567}" type="datetimeFigureOut">
               <a:rPr lang="en-US" dirty="0"/>
               <a:pPr/>
-              <a:t>7/14/2019</a:t>
+              <a:t>7/15/2019</a:t>
             </a:fld>
             <a:endParaRPr lang="en-US" dirty="0"/>
           </a:p>
@@ -2937,7 +2937,7 @@
             <a:fld id="{B61BEF0D-F0BB-DE4B-95CE-6DB70DBA9567}" type="datetimeFigureOut">
               <a:rPr lang="en-US" dirty="0"/>
               <a:pPr/>
-              <a:t>7/14/2019</a:t>
+              <a:t>7/15/2019</a:t>
             </a:fld>
             <a:endParaRPr lang="en-US" dirty="0"/>
           </a:p>
@@ -3191,7 +3191,7 @@
             <a:fld id="{B61BEF0D-F0BB-DE4B-95CE-6DB70DBA9567}" type="datetimeFigureOut">
               <a:rPr lang="en-US" dirty="0"/>
               <a:pPr/>
-              <a:t>7/14/2019</a:t>
+              <a:t>7/15/2019</a:t>
             </a:fld>
             <a:endParaRPr lang="en-US" dirty="0"/>
           </a:p>
@@ -3480,7 +3480,7 @@
             <a:fld id="{B61BEF0D-F0BB-DE4B-95CE-6DB70DBA9567}" type="datetimeFigureOut">
               <a:rPr lang="en-US" dirty="0"/>
               <a:pPr/>
-              <a:t>7/14/2019</a:t>
+              <a:t>7/15/2019</a:t>
             </a:fld>
             <a:endParaRPr lang="en-US" dirty="0"/>
           </a:p>
@@ -3907,7 +3907,7 @@
             <a:fld id="{B61BEF0D-F0BB-DE4B-95CE-6DB70DBA9567}" type="datetimeFigureOut">
               <a:rPr lang="en-US" dirty="0"/>
               <a:pPr/>
-              <a:t>7/14/2019</a:t>
+              <a:t>7/15/2019</a:t>
             </a:fld>
             <a:endParaRPr lang="en-US" dirty="0"/>
           </a:p>
@@ -4022,7 +4022,7 @@
             <a:fld id="{B61BEF0D-F0BB-DE4B-95CE-6DB70DBA9567}" type="datetimeFigureOut">
               <a:rPr lang="en-US" dirty="0"/>
               <a:pPr/>
-              <a:t>7/14/2019</a:t>
+              <a:t>7/15/2019</a:t>
             </a:fld>
             <a:endParaRPr lang="en-US" dirty="0"/>
           </a:p>
@@ -4114,7 +4114,7 @@
             <a:fld id="{B61BEF0D-F0BB-DE4B-95CE-6DB70DBA9567}" type="datetimeFigureOut">
               <a:rPr lang="en-US" dirty="0"/>
               <a:pPr/>
-              <a:t>7/14/2019</a:t>
+              <a:t>7/15/2019</a:t>
             </a:fld>
             <a:endParaRPr lang="en-US" dirty="0"/>
           </a:p>
@@ -4394,7 +4394,7 @@
             <a:fld id="{B61BEF0D-F0BB-DE4B-95CE-6DB70DBA9567}" type="datetimeFigureOut">
               <a:rPr lang="en-US" dirty="0"/>
               <a:pPr/>
-              <a:t>7/14/2019</a:t>
+              <a:t>7/15/2019</a:t>
             </a:fld>
             <a:endParaRPr lang="en-US" dirty="0"/>
           </a:p>
@@ -4682,7 +4682,7 @@
             <a:fld id="{B61BEF0D-F0BB-DE4B-95CE-6DB70DBA9567}" type="datetimeFigureOut">
               <a:rPr lang="en-US" dirty="0"/>
               <a:pPr/>
-              <a:t>7/14/2019</a:t>
+              <a:t>7/15/2019</a:t>
             </a:fld>
             <a:endParaRPr lang="en-US" dirty="0"/>
           </a:p>
@@ -4910,7 +4910,7 @@
             <a:fld id="{B61BEF0D-F0BB-DE4B-95CE-6DB70DBA9567}" type="datetimeFigureOut">
               <a:rPr lang="en-US" dirty="0"/>
               <a:pPr/>
-              <a:t>7/14/2019</a:t>
+              <a:t>7/15/2019</a:t>
             </a:fld>
             <a:endParaRPr lang="en-US" dirty="0"/>
           </a:p>
@@ -5987,13 +5987,8 @@
           <a:p>
             <a:r>
               <a:rPr lang="en-IN" dirty="0" smtClean="0"/>
-              <a:t>TEAM </a:t>
-            </a:r>
-            <a:r>
-              <a:rPr lang="en-IN" dirty="0" smtClean="0"/>
-              <a:t>LEADER,WATSON KNOWLEDGE STUDIO AND</a:t>
-            </a:r>
-            <a:endParaRPr lang="en-IN" dirty="0" smtClean="0"/>
+              <a:t>TEAM LEADER,WATSON KNOWLEDGE STUDIO AND</a:t>
+            </a:r>
           </a:p>
           <a:p>
             <a:r>
@@ -6285,8 +6280,12 @@
           <a:lstStyle/>
           <a:p>
             <a:r>
+              <a:rPr lang="en-IN" smtClean="0"/>
+              <a:t>SHIWANSHU </a:t>
+            </a:r>
+            <a:r>
               <a:rPr lang="en-IN" dirty="0" smtClean="0"/>
-              <a:t>SHIVANSHU MANI</a:t>
+              <a:t>MANI</a:t>
             </a:r>
             <a:endParaRPr lang="en-IN" dirty="0"/>
           </a:p>
@@ -6316,11 +6315,7 @@
           <a:p>
             <a:r>
               <a:rPr lang="en-IN" dirty="0" smtClean="0"/>
-              <a:t>Watson Assistant Integration </a:t>
-            </a:r>
-            <a:r>
-              <a:rPr lang="en-IN" dirty="0" smtClean="0"/>
-              <a:t>DEVELOPER</a:t>
+              <a:t>Watson Assistant Integration DEVELOPER</a:t>
             </a:r>
             <a:endParaRPr lang="en-IN" dirty="0"/>
           </a:p>
@@ -7645,7 +7640,7 @@
     </a:clrScheme>
     <a:fontScheme name="Mesh">
       <a:majorFont>
-        <a:latin typeface="Century Gothic" panose="020B0502020202020204"/>
+        <a:latin typeface="Century Gothic"/>
         <a:ea typeface=""/>
         <a:cs typeface=""/>
         <a:font script="Jpan" typeface="ＭＳ ゴシック"/>
@@ -7680,7 +7675,7 @@
         <a:font script="Geor" typeface="Sylfaen"/>
       </a:majorFont>
       <a:minorFont>
-        <a:latin typeface="Century Gothic" panose="020B0502020202020204"/>
+        <a:latin typeface="Century Gothic"/>
         <a:ea typeface=""/>
         <a:cs typeface=""/>
         <a:font script="Jpan" typeface="ＭＳ ゴシック"/>
@@ -7852,7 +7847,7 @@
   <a:extraClrSchemeLst/>
   <a:extLst>
     <a:ext uri="{05A4C25C-085E-4340-85A3-A5531E510DB2}">
-      <thm15:themeFamily xmlns:thm15="http://schemas.microsoft.com/office/thememl/2012/main" name="Mesh" id="{789EC3FE-34FD-429C-9918-760025E6C145}" vid="{B8BE45C0-8141-4D58-8C71-A009BC26FBBB}"/>
+      <thm15:themeFamily xmlns:thm15="http://schemas.microsoft.com/office/thememl/2012/main" xmlns="" name="Mesh" id="{789EC3FE-34FD-429C-9918-760025E6C145}" vid="{B8BE45C0-8141-4D58-8C71-A009BC26FBBB}"/>
     </a:ext>
   </a:extLst>
 </a:theme>

--- a/CRIO.pptx
+++ b/CRIO.pptx
@@ -10,8 +10,8 @@
     <p:sldId id="259" r:id="rId4"/>
     <p:sldId id="260" r:id="rId5"/>
     <p:sldId id="257" r:id="rId6"/>
-    <p:sldId id="261" r:id="rId7"/>
-    <p:sldId id="262" r:id="rId8"/>
+    <p:sldId id="262" r:id="rId7"/>
+    <p:sldId id="261" r:id="rId8"/>
   </p:sldIdLst>
   <p:sldSz cx="12192000" cy="6858000"/>
   <p:notesSz cx="6858000" cy="9144000"/>
@@ -112,7 +112,18 @@
   </p:defaultTextStyle>
   <p:extLst>
     <p:ext uri="{EFAFB233-063F-42B5-8137-9DF3F51BA10A}">
-      <p15:sldGuideLst xmlns:p15="http://schemas.microsoft.com/office/powerpoint/2012/main" xmlns=""/>
+      <p15:sldGuideLst xmlns:p15="http://schemas.microsoft.com/office/powerpoint/2012/main">
+        <p15:guide id="1" orient="horz" pos="2160">
+          <p15:clr>
+            <a:srgbClr val="A4A3A4"/>
+          </p15:clr>
+        </p15:guide>
+        <p15:guide id="2" pos="3840">
+          <p15:clr>
+            <a:srgbClr val="A4A3A4"/>
+          </p15:clr>
+        </p15:guide>
+      </p15:sldGuideLst>
     </p:ext>
   </p:extLst>
 </p:presentation>
@@ -6097,15 +6108,15 @@
         </p:nvSpPr>
         <p:spPr>
           <a:xfrm>
-            <a:off x="5087137" y="1235632"/>
-            <a:ext cx="1651414" cy="369332"/>
+            <a:off x="5087137" y="1235631"/>
+            <a:ext cx="1750268" cy="369332"/>
           </a:xfrm>
           <a:prstGeom prst="rect">
             <a:avLst/>
           </a:prstGeom>
         </p:spPr>
         <p:txBody>
-          <a:bodyPr wrap="none">
+          <a:bodyPr wrap="square">
             <a:spAutoFit/>
           </a:bodyPr>
           <a:lstStyle/>
@@ -7308,7 +7319,7 @@
                   </a:schemeClr>
                 </a:solidFill>
               </a:rPr>
-              <a:t>Architecture diagram</a:t>
+              <a:t>Flow diagram 1</a:t>
             </a:r>
             <a:endParaRPr lang="en-IN" dirty="0">
               <a:solidFill>
@@ -7387,163 +7398,85 @@
           <a:chExt cx="0" cy="0"/>
         </a:xfrm>
       </p:grpSpPr>
-      <p:sp>
-        <p:nvSpPr>
-          <p:cNvPr id="2" name="Rectangle 1"/>
-          <p:cNvSpPr/>
+      <p:pic>
+        <p:nvPicPr>
+          <p:cNvPr id="2" name="Picture 1"/>
+          <p:cNvPicPr>
+            <a:picLocks noChangeAspect="1"/>
+          </p:cNvPicPr>
           <p:nvPr/>
-        </p:nvSpPr>
+        </p:nvPicPr>
+        <p:blipFill>
+          <a:blip r:embed="rId2">
+            <a:extLst>
+              <a:ext uri="{28A0092B-C50C-407E-A947-70E740481C1C}">
+                <a14:useLocalDpi xmlns:a14="http://schemas.microsoft.com/office/drawing/2010/main" val="0"/>
+              </a:ext>
+            </a:extLst>
+          </a:blip>
+          <a:stretch>
+            <a:fillRect/>
+          </a:stretch>
+        </p:blipFill>
         <p:spPr>
           <a:xfrm>
-            <a:off x="3262184" y="98854"/>
-            <a:ext cx="5881815" cy="769441"/>
+            <a:off x="428368" y="765434"/>
+            <a:ext cx="11401167" cy="5696464"/>
           </a:xfrm>
           <a:prstGeom prst="rect">
             <a:avLst/>
           </a:prstGeom>
         </p:spPr>
-        <p:txBody>
-          <a:bodyPr wrap="square">
-            <a:spAutoFit/>
-          </a:bodyPr>
-          <a:lstStyle/>
-          <a:p>
-            <a:r>
-              <a:rPr lang="en-IN" sz="4400" dirty="0" smtClean="0">
-                <a:solidFill>
-                  <a:schemeClr val="accent4"/>
-                </a:solidFill>
-              </a:rPr>
-              <a:t>UI/UX DESIGN - PYQT</a:t>
-            </a:r>
-            <a:endParaRPr lang="en-IN" sz="4400" dirty="0"/>
-          </a:p>
-        </p:txBody>
-      </p:sp>
-      <p:sp>
-        <p:nvSpPr>
-          <p:cNvPr id="4" name="TextBox 3"/>
-          <p:cNvSpPr txBox="1"/>
+      </p:pic>
+      <p:sp>
+        <p:nvSpPr>
+          <p:cNvPr id="3" name="Rectangle 2"/>
+          <p:cNvSpPr/>
           <p:nvPr/>
         </p:nvSpPr>
         <p:spPr>
           <a:xfrm>
-            <a:off x="683741" y="1062681"/>
-            <a:ext cx="10453816" cy="5539978"/>
+            <a:off x="4374292" y="97481"/>
+            <a:ext cx="2753760" cy="461665"/>
           </a:xfrm>
           <a:prstGeom prst="rect">
             <a:avLst/>
           </a:prstGeom>
-          <a:noFill/>
         </p:spPr>
         <p:txBody>
-          <a:bodyPr wrap="square" rtlCol="0">
+          <a:bodyPr wrap="square">
             <a:spAutoFit/>
           </a:bodyPr>
           <a:lstStyle/>
           <a:p>
-            <a:pPr marL="342900" indent="-342900">
-              <a:buFont typeface="+mj-lt"/>
-              <a:buAutoNum type="arabicPeriod"/>
-            </a:pPr>
-            <a:r>
-              <a:rPr lang="en-US" sz="2800" dirty="0" err="1"/>
-              <a:t>Qt</a:t>
-            </a:r>
-            <a:r>
-              <a:rPr lang="en-US" sz="2800" dirty="0"/>
-              <a:t> app development allows porting an application to multiple platforms through simple </a:t>
-            </a:r>
-            <a:r>
-              <a:rPr lang="en-US" sz="2800" dirty="0" smtClean="0"/>
-              <a:t>recompilation</a:t>
-            </a:r>
-          </a:p>
-          <a:p>
-            <a:pPr marL="342900" indent="-342900">
-              <a:buFont typeface="+mj-lt"/>
-              <a:buAutoNum type="arabicPeriod"/>
-            </a:pPr>
-            <a:r>
-              <a:rPr lang="en-US" sz="2800" dirty="0"/>
-              <a:t>The code is compiled to native binaries that run at full speed (no need to use a virtual machine</a:t>
-            </a:r>
-            <a:r>
-              <a:rPr lang="en-US" sz="2800" dirty="0" smtClean="0"/>
-              <a:t>)</a:t>
-            </a:r>
-          </a:p>
-          <a:p>
-            <a:pPr marL="342900" indent="-342900">
-              <a:buFont typeface="+mj-lt"/>
-              <a:buAutoNum type="arabicPeriod"/>
-            </a:pPr>
-            <a:r>
-              <a:rPr lang="en-US" sz="2800" dirty="0" err="1"/>
-              <a:t>Qt</a:t>
-            </a:r>
-            <a:r>
-              <a:rPr lang="en-US" sz="2800" dirty="0"/>
-              <a:t> cross-platform software development makes it easy to create intuitive experiences for all users, no matter what system is </a:t>
-            </a:r>
-            <a:r>
-              <a:rPr lang="en-US" sz="2800" dirty="0" smtClean="0"/>
-              <a:t>used</a:t>
-            </a:r>
-          </a:p>
-          <a:p>
-            <a:pPr marL="342900" indent="-342900">
-              <a:buFont typeface="+mj-lt"/>
-              <a:buAutoNum type="arabicPeriod"/>
-            </a:pPr>
-            <a:r>
-              <a:rPr lang="en-US" sz="2800" dirty="0" err="1"/>
-              <a:t>Qt</a:t>
-            </a:r>
-            <a:r>
-              <a:rPr lang="en-US" sz="2800" dirty="0"/>
-              <a:t> also has a very capable IDE in </a:t>
-            </a:r>
-            <a:r>
-              <a:rPr lang="en-US" sz="2800" dirty="0" err="1"/>
-              <a:t>Qt</a:t>
-            </a:r>
-            <a:r>
-              <a:rPr lang="en-US" sz="2800" dirty="0"/>
-              <a:t> Creator which works on all platforms and gives the same development environment wherever it’s </a:t>
-            </a:r>
-            <a:r>
-              <a:rPr lang="en-US" sz="2800" dirty="0" smtClean="0"/>
-              <a:t>used</a:t>
-            </a:r>
-          </a:p>
-          <a:p>
-            <a:pPr marL="342900" indent="-342900">
-              <a:buFont typeface="+mj-lt"/>
-              <a:buAutoNum type="arabicPeriod"/>
-            </a:pPr>
-            <a:r>
-              <a:rPr lang="en-US" sz="2800" dirty="0"/>
-              <a:t>Saves time, through one code deployed across all screens and </a:t>
-            </a:r>
-            <a:r>
-              <a:rPr lang="en-US" sz="2800" dirty="0" smtClean="0"/>
-              <a:t>platforms</a:t>
-            </a:r>
-          </a:p>
-          <a:p>
-            <a:pPr marL="342900" indent="-342900">
-              <a:buFont typeface="+mj-lt"/>
-              <a:buAutoNum type="arabicPeriod"/>
-            </a:pPr>
-            <a:endParaRPr lang="en-IN" dirty="0"/>
+            <a:r>
+              <a:rPr lang="en-IN" sz="2400" dirty="0">
+                <a:solidFill>
+                  <a:schemeClr val="accent3">
+                    <a:lumMod val="75000"/>
+                  </a:schemeClr>
+                </a:solidFill>
+              </a:rPr>
+              <a:t>Flow </a:t>
+            </a:r>
+            <a:r>
+              <a:rPr lang="en-IN" sz="2400" dirty="0" smtClean="0">
+                <a:solidFill>
+                  <a:schemeClr val="accent3">
+                    <a:lumMod val="75000"/>
+                  </a:schemeClr>
+                </a:solidFill>
+              </a:rPr>
+              <a:t>diagram 2</a:t>
+            </a:r>
+            <a:endParaRPr lang="en-IN" sz="2400" dirty="0"/>
           </a:p>
         </p:txBody>
       </p:sp>
     </p:spTree>
     <p:extLst>
       <p:ext uri="{BB962C8B-B14F-4D97-AF65-F5344CB8AC3E}">
-        <p14:creationId xmlns:p14="http://schemas.microsoft.com/office/powerpoint/2010/main" val="3159898731"/>
+        <p14:creationId xmlns:p14="http://schemas.microsoft.com/office/powerpoint/2010/main" val="1363790649"/>
       </p:ext>
     </p:extLst>
   </p:cSld>
@@ -7577,10 +7510,163 @@
           <a:chExt cx="0" cy="0"/>
         </a:xfrm>
       </p:grpSpPr>
+      <p:sp>
+        <p:nvSpPr>
+          <p:cNvPr id="2" name="Rectangle 1"/>
+          <p:cNvSpPr/>
+          <p:nvPr/>
+        </p:nvSpPr>
+        <p:spPr>
+          <a:xfrm>
+            <a:off x="3262184" y="98854"/>
+            <a:ext cx="5881815" cy="769441"/>
+          </a:xfrm>
+          <a:prstGeom prst="rect">
+            <a:avLst/>
+          </a:prstGeom>
+        </p:spPr>
+        <p:txBody>
+          <a:bodyPr wrap="square">
+            <a:spAutoFit/>
+          </a:bodyPr>
+          <a:lstStyle/>
+          <a:p>
+            <a:r>
+              <a:rPr lang="en-IN" sz="4400" dirty="0" smtClean="0">
+                <a:solidFill>
+                  <a:schemeClr val="accent4"/>
+                </a:solidFill>
+              </a:rPr>
+              <a:t>UI/UX DESIGN - PYQT</a:t>
+            </a:r>
+            <a:endParaRPr lang="en-IN" sz="4400" dirty="0"/>
+          </a:p>
+        </p:txBody>
+      </p:sp>
+      <p:sp>
+        <p:nvSpPr>
+          <p:cNvPr id="4" name="TextBox 3"/>
+          <p:cNvSpPr txBox="1"/>
+          <p:nvPr/>
+        </p:nvSpPr>
+        <p:spPr>
+          <a:xfrm>
+            <a:off x="683741" y="1062681"/>
+            <a:ext cx="10453816" cy="5539978"/>
+          </a:xfrm>
+          <a:prstGeom prst="rect">
+            <a:avLst/>
+          </a:prstGeom>
+          <a:noFill/>
+        </p:spPr>
+        <p:txBody>
+          <a:bodyPr wrap="square" rtlCol="0">
+            <a:spAutoFit/>
+          </a:bodyPr>
+          <a:lstStyle/>
+          <a:p>
+            <a:pPr marL="342900" indent="-342900">
+              <a:buFont typeface="+mj-lt"/>
+              <a:buAutoNum type="arabicPeriod"/>
+            </a:pPr>
+            <a:r>
+              <a:rPr lang="en-US" sz="2800" dirty="0" err="1"/>
+              <a:t>Qt</a:t>
+            </a:r>
+            <a:r>
+              <a:rPr lang="en-US" sz="2800" dirty="0"/>
+              <a:t> app development allows porting an application to multiple platforms through simple </a:t>
+            </a:r>
+            <a:r>
+              <a:rPr lang="en-US" sz="2800" dirty="0" smtClean="0"/>
+              <a:t>recompilation</a:t>
+            </a:r>
+          </a:p>
+          <a:p>
+            <a:pPr marL="342900" indent="-342900">
+              <a:buFont typeface="+mj-lt"/>
+              <a:buAutoNum type="arabicPeriod"/>
+            </a:pPr>
+            <a:r>
+              <a:rPr lang="en-US" sz="2800" dirty="0"/>
+              <a:t>The code is compiled to native binaries that run at full speed (no need to use a virtual machine</a:t>
+            </a:r>
+            <a:r>
+              <a:rPr lang="en-US" sz="2800" dirty="0" smtClean="0"/>
+              <a:t>)</a:t>
+            </a:r>
+          </a:p>
+          <a:p>
+            <a:pPr marL="342900" indent="-342900">
+              <a:buFont typeface="+mj-lt"/>
+              <a:buAutoNum type="arabicPeriod"/>
+            </a:pPr>
+            <a:r>
+              <a:rPr lang="en-US" sz="2800" dirty="0" err="1"/>
+              <a:t>Qt</a:t>
+            </a:r>
+            <a:r>
+              <a:rPr lang="en-US" sz="2800" dirty="0"/>
+              <a:t> cross-platform software development makes it easy to create intuitive experiences for all users, no matter what system is </a:t>
+            </a:r>
+            <a:r>
+              <a:rPr lang="en-US" sz="2800" dirty="0" smtClean="0"/>
+              <a:t>used</a:t>
+            </a:r>
+          </a:p>
+          <a:p>
+            <a:pPr marL="342900" indent="-342900">
+              <a:buFont typeface="+mj-lt"/>
+              <a:buAutoNum type="arabicPeriod"/>
+            </a:pPr>
+            <a:r>
+              <a:rPr lang="en-US" sz="2800" dirty="0" err="1"/>
+              <a:t>Qt</a:t>
+            </a:r>
+            <a:r>
+              <a:rPr lang="en-US" sz="2800" dirty="0"/>
+              <a:t> also has a very capable IDE in </a:t>
+            </a:r>
+            <a:r>
+              <a:rPr lang="en-US" sz="2800" dirty="0" err="1"/>
+              <a:t>Qt</a:t>
+            </a:r>
+            <a:r>
+              <a:rPr lang="en-US" sz="2800" dirty="0"/>
+              <a:t> Creator which works on all platforms and gives the same development environment wherever it’s </a:t>
+            </a:r>
+            <a:r>
+              <a:rPr lang="en-US" sz="2800" dirty="0" smtClean="0"/>
+              <a:t>used</a:t>
+            </a:r>
+          </a:p>
+          <a:p>
+            <a:pPr marL="342900" indent="-342900">
+              <a:buFont typeface="+mj-lt"/>
+              <a:buAutoNum type="arabicPeriod"/>
+            </a:pPr>
+            <a:r>
+              <a:rPr lang="en-US" sz="2800" dirty="0"/>
+              <a:t>Saves time, through one code deployed across all screens and </a:t>
+            </a:r>
+            <a:r>
+              <a:rPr lang="en-US" sz="2800" dirty="0" smtClean="0"/>
+              <a:t>platforms</a:t>
+            </a:r>
+          </a:p>
+          <a:p>
+            <a:pPr marL="342900" indent="-342900">
+              <a:buFont typeface="+mj-lt"/>
+              <a:buAutoNum type="arabicPeriod"/>
+            </a:pPr>
+            <a:endParaRPr lang="en-IN" dirty="0"/>
+          </a:p>
+        </p:txBody>
+      </p:sp>
     </p:spTree>
     <p:extLst>
       <p:ext uri="{BB962C8B-B14F-4D97-AF65-F5344CB8AC3E}">
-        <p14:creationId xmlns:p14="http://schemas.microsoft.com/office/powerpoint/2010/main" val="1363790649"/>
+        <p14:creationId xmlns:p14="http://schemas.microsoft.com/office/powerpoint/2010/main" val="3159898731"/>
       </p:ext>
     </p:extLst>
   </p:cSld>
@@ -7847,7 +7933,7 @@
   <a:extraClrSchemeLst/>
   <a:extLst>
     <a:ext uri="{05A4C25C-085E-4340-85A3-A5531E510DB2}">
-      <thm15:themeFamily xmlns:thm15="http://schemas.microsoft.com/office/thememl/2012/main" xmlns="" name="Mesh" id="{789EC3FE-34FD-429C-9918-760025E6C145}" vid="{B8BE45C0-8141-4D58-8C71-A009BC26FBBB}"/>
+      <thm15:themeFamily xmlns:thm15="http://schemas.microsoft.com/office/thememl/2012/main" name="Mesh" id="{789EC3FE-34FD-429C-9918-760025E6C145}" vid="{B8BE45C0-8141-4D58-8C71-A009BC26FBBB}"/>
     </a:ext>
   </a:extLst>
 </a:theme>
